--- a/기획.pptx
+++ b/기획.pptx
@@ -207,7 +207,7 @@
           <a:p>
             <a:fld id="{A86A007C-C903-4EF0-BE94-3182177B8484}" type="datetimeFigureOut">
               <a:rPr lang="ko-KR" altLang="en-US" smtClean="0"/>
-              <a:t>2024-03-18</a:t>
+              <a:t>2024-03-25</a:t>
             </a:fld>
             <a:endParaRPr lang="ko-KR" altLang="en-US"/>
           </a:p>
@@ -621,7 +621,7 @@
           <a:p>
             <a:fld id="{47B96A34-AEF8-40E7-AE80-A7B27F113FFA}" type="datetimeFigureOut">
               <a:rPr lang="ko-KR" altLang="en-US" smtClean="0"/>
-              <a:t>2024-03-18</a:t>
+              <a:t>2024-03-25</a:t>
             </a:fld>
             <a:endParaRPr lang="ko-KR" altLang="en-US"/>
           </a:p>
@@ -819,7 +819,7 @@
           <a:p>
             <a:fld id="{47B96A34-AEF8-40E7-AE80-A7B27F113FFA}" type="datetimeFigureOut">
               <a:rPr lang="ko-KR" altLang="en-US" smtClean="0"/>
-              <a:t>2024-03-18</a:t>
+              <a:t>2024-03-25</a:t>
             </a:fld>
             <a:endParaRPr lang="ko-KR" altLang="en-US"/>
           </a:p>
@@ -1027,7 +1027,7 @@
           <a:p>
             <a:fld id="{47B96A34-AEF8-40E7-AE80-A7B27F113FFA}" type="datetimeFigureOut">
               <a:rPr lang="ko-KR" altLang="en-US" smtClean="0"/>
-              <a:t>2024-03-18</a:t>
+              <a:t>2024-03-25</a:t>
             </a:fld>
             <a:endParaRPr lang="ko-KR" altLang="en-US"/>
           </a:p>
@@ -1225,7 +1225,7 @@
           <a:p>
             <a:fld id="{47B96A34-AEF8-40E7-AE80-A7B27F113FFA}" type="datetimeFigureOut">
               <a:rPr lang="ko-KR" altLang="en-US" smtClean="0"/>
-              <a:t>2024-03-18</a:t>
+              <a:t>2024-03-25</a:t>
             </a:fld>
             <a:endParaRPr lang="ko-KR" altLang="en-US"/>
           </a:p>
@@ -1500,7 +1500,7 @@
           <a:p>
             <a:fld id="{47B96A34-AEF8-40E7-AE80-A7B27F113FFA}" type="datetimeFigureOut">
               <a:rPr lang="ko-KR" altLang="en-US" smtClean="0"/>
-              <a:t>2024-03-18</a:t>
+              <a:t>2024-03-25</a:t>
             </a:fld>
             <a:endParaRPr lang="ko-KR" altLang="en-US"/>
           </a:p>
@@ -1765,7 +1765,7 @@
           <a:p>
             <a:fld id="{47B96A34-AEF8-40E7-AE80-A7B27F113FFA}" type="datetimeFigureOut">
               <a:rPr lang="ko-KR" altLang="en-US" smtClean="0"/>
-              <a:t>2024-03-18</a:t>
+              <a:t>2024-03-25</a:t>
             </a:fld>
             <a:endParaRPr lang="ko-KR" altLang="en-US"/>
           </a:p>
@@ -2177,7 +2177,7 @@
           <a:p>
             <a:fld id="{47B96A34-AEF8-40E7-AE80-A7B27F113FFA}" type="datetimeFigureOut">
               <a:rPr lang="ko-KR" altLang="en-US" smtClean="0"/>
-              <a:t>2024-03-18</a:t>
+              <a:t>2024-03-25</a:t>
             </a:fld>
             <a:endParaRPr lang="ko-KR" altLang="en-US"/>
           </a:p>
@@ -2318,7 +2318,7 @@
           <a:p>
             <a:fld id="{47B96A34-AEF8-40E7-AE80-A7B27F113FFA}" type="datetimeFigureOut">
               <a:rPr lang="ko-KR" altLang="en-US" smtClean="0"/>
-              <a:t>2024-03-18</a:t>
+              <a:t>2024-03-25</a:t>
             </a:fld>
             <a:endParaRPr lang="ko-KR" altLang="en-US"/>
           </a:p>
@@ -2431,7 +2431,7 @@
           <a:p>
             <a:fld id="{47B96A34-AEF8-40E7-AE80-A7B27F113FFA}" type="datetimeFigureOut">
               <a:rPr lang="ko-KR" altLang="en-US" smtClean="0"/>
-              <a:t>2024-03-18</a:t>
+              <a:t>2024-03-25</a:t>
             </a:fld>
             <a:endParaRPr lang="ko-KR" altLang="en-US"/>
           </a:p>
@@ -2742,7 +2742,7 @@
           <a:p>
             <a:fld id="{47B96A34-AEF8-40E7-AE80-A7B27F113FFA}" type="datetimeFigureOut">
               <a:rPr lang="ko-KR" altLang="en-US" smtClean="0"/>
-              <a:t>2024-03-18</a:t>
+              <a:t>2024-03-25</a:t>
             </a:fld>
             <a:endParaRPr lang="ko-KR" altLang="en-US"/>
           </a:p>
@@ -3030,7 +3030,7 @@
           <a:p>
             <a:fld id="{47B96A34-AEF8-40E7-AE80-A7B27F113FFA}" type="datetimeFigureOut">
               <a:rPr lang="ko-KR" altLang="en-US" smtClean="0"/>
-              <a:t>2024-03-18</a:t>
+              <a:t>2024-03-25</a:t>
             </a:fld>
             <a:endParaRPr lang="ko-KR" altLang="en-US"/>
           </a:p>
@@ -3271,7 +3271,7 @@
           <a:p>
             <a:fld id="{47B96A34-AEF8-40E7-AE80-A7B27F113FFA}" type="datetimeFigureOut">
               <a:rPr lang="ko-KR" altLang="en-US" smtClean="0"/>
-              <a:t>2024-03-18</a:t>
+              <a:t>2024-03-25</a:t>
             </a:fld>
             <a:endParaRPr lang="ko-KR" altLang="en-US"/>
           </a:p>

--- a/기획.pptx
+++ b/기획.pptx
@@ -5,7 +5,7 @@
     <p:sldMasterId id="2147483648" r:id="rId1"/>
   </p:sldMasterIdLst>
   <p:notesMasterIdLst>
-    <p:notesMasterId r:id="rId13"/>
+    <p:notesMasterId r:id="rId14"/>
   </p:notesMasterIdLst>
   <p:sldIdLst>
     <p:sldId id="256" r:id="rId2"/>
@@ -19,6 +19,7 @@
     <p:sldId id="264" r:id="rId10"/>
     <p:sldId id="263" r:id="rId11"/>
     <p:sldId id="265" r:id="rId12"/>
+    <p:sldId id="269" r:id="rId13"/>
   </p:sldIdLst>
   <p:sldSz cx="12192000" cy="6858000"/>
   <p:notesSz cx="6858000" cy="9144000"/>
@@ -207,7 +208,7 @@
           <a:p>
             <a:fld id="{A86A007C-C903-4EF0-BE94-3182177B8484}" type="datetimeFigureOut">
               <a:rPr lang="ko-KR" altLang="en-US" smtClean="0"/>
-              <a:t>2024-03-25</a:t>
+              <a:t>2024-04-11</a:t>
             </a:fld>
             <a:endParaRPr lang="ko-KR" altLang="en-US"/>
           </a:p>
@@ -621,7 +622,7 @@
           <a:p>
             <a:fld id="{47B96A34-AEF8-40E7-AE80-A7B27F113FFA}" type="datetimeFigureOut">
               <a:rPr lang="ko-KR" altLang="en-US" smtClean="0"/>
-              <a:t>2024-03-25</a:t>
+              <a:t>2024-04-11</a:t>
             </a:fld>
             <a:endParaRPr lang="ko-KR" altLang="en-US"/>
           </a:p>
@@ -819,7 +820,7 @@
           <a:p>
             <a:fld id="{47B96A34-AEF8-40E7-AE80-A7B27F113FFA}" type="datetimeFigureOut">
               <a:rPr lang="ko-KR" altLang="en-US" smtClean="0"/>
-              <a:t>2024-03-25</a:t>
+              <a:t>2024-04-11</a:t>
             </a:fld>
             <a:endParaRPr lang="ko-KR" altLang="en-US"/>
           </a:p>
@@ -1027,7 +1028,7 @@
           <a:p>
             <a:fld id="{47B96A34-AEF8-40E7-AE80-A7B27F113FFA}" type="datetimeFigureOut">
               <a:rPr lang="ko-KR" altLang="en-US" smtClean="0"/>
-              <a:t>2024-03-25</a:t>
+              <a:t>2024-04-11</a:t>
             </a:fld>
             <a:endParaRPr lang="ko-KR" altLang="en-US"/>
           </a:p>
@@ -1225,7 +1226,7 @@
           <a:p>
             <a:fld id="{47B96A34-AEF8-40E7-AE80-A7B27F113FFA}" type="datetimeFigureOut">
               <a:rPr lang="ko-KR" altLang="en-US" smtClean="0"/>
-              <a:t>2024-03-25</a:t>
+              <a:t>2024-04-11</a:t>
             </a:fld>
             <a:endParaRPr lang="ko-KR" altLang="en-US"/>
           </a:p>
@@ -1500,7 +1501,7 @@
           <a:p>
             <a:fld id="{47B96A34-AEF8-40E7-AE80-A7B27F113FFA}" type="datetimeFigureOut">
               <a:rPr lang="ko-KR" altLang="en-US" smtClean="0"/>
-              <a:t>2024-03-25</a:t>
+              <a:t>2024-04-11</a:t>
             </a:fld>
             <a:endParaRPr lang="ko-KR" altLang="en-US"/>
           </a:p>
@@ -1765,7 +1766,7 @@
           <a:p>
             <a:fld id="{47B96A34-AEF8-40E7-AE80-A7B27F113FFA}" type="datetimeFigureOut">
               <a:rPr lang="ko-KR" altLang="en-US" smtClean="0"/>
-              <a:t>2024-03-25</a:t>
+              <a:t>2024-04-11</a:t>
             </a:fld>
             <a:endParaRPr lang="ko-KR" altLang="en-US"/>
           </a:p>
@@ -2177,7 +2178,7 @@
           <a:p>
             <a:fld id="{47B96A34-AEF8-40E7-AE80-A7B27F113FFA}" type="datetimeFigureOut">
               <a:rPr lang="ko-KR" altLang="en-US" smtClean="0"/>
-              <a:t>2024-03-25</a:t>
+              <a:t>2024-04-11</a:t>
             </a:fld>
             <a:endParaRPr lang="ko-KR" altLang="en-US"/>
           </a:p>
@@ -2318,7 +2319,7 @@
           <a:p>
             <a:fld id="{47B96A34-AEF8-40E7-AE80-A7B27F113FFA}" type="datetimeFigureOut">
               <a:rPr lang="ko-KR" altLang="en-US" smtClean="0"/>
-              <a:t>2024-03-25</a:t>
+              <a:t>2024-04-11</a:t>
             </a:fld>
             <a:endParaRPr lang="ko-KR" altLang="en-US"/>
           </a:p>
@@ -2431,7 +2432,7 @@
           <a:p>
             <a:fld id="{47B96A34-AEF8-40E7-AE80-A7B27F113FFA}" type="datetimeFigureOut">
               <a:rPr lang="ko-KR" altLang="en-US" smtClean="0"/>
-              <a:t>2024-03-25</a:t>
+              <a:t>2024-04-11</a:t>
             </a:fld>
             <a:endParaRPr lang="ko-KR" altLang="en-US"/>
           </a:p>
@@ -2742,7 +2743,7 @@
           <a:p>
             <a:fld id="{47B96A34-AEF8-40E7-AE80-A7B27F113FFA}" type="datetimeFigureOut">
               <a:rPr lang="ko-KR" altLang="en-US" smtClean="0"/>
-              <a:t>2024-03-25</a:t>
+              <a:t>2024-04-11</a:t>
             </a:fld>
             <a:endParaRPr lang="ko-KR" altLang="en-US"/>
           </a:p>
@@ -3030,7 +3031,7 @@
           <a:p>
             <a:fld id="{47B96A34-AEF8-40E7-AE80-A7B27F113FFA}" type="datetimeFigureOut">
               <a:rPr lang="ko-KR" altLang="en-US" smtClean="0"/>
-              <a:t>2024-03-25</a:t>
+              <a:t>2024-04-11</a:t>
             </a:fld>
             <a:endParaRPr lang="ko-KR" altLang="en-US"/>
           </a:p>
@@ -3271,7 +3272,7 @@
           <a:p>
             <a:fld id="{47B96A34-AEF8-40E7-AE80-A7B27F113FFA}" type="datetimeFigureOut">
               <a:rPr lang="ko-KR" altLang="en-US" smtClean="0"/>
-              <a:t>2024-03-25</a:t>
+              <a:t>2024-04-11</a:t>
             </a:fld>
             <a:endParaRPr lang="ko-KR" altLang="en-US"/>
           </a:p>
@@ -4682,6 +4683,372 @@
     <p:extLst>
       <p:ext uri="{BB962C8B-B14F-4D97-AF65-F5344CB8AC3E}">
         <p14:creationId xmlns:p14="http://schemas.microsoft.com/office/powerpoint/2010/main" val="246558734"/>
+      </p:ext>
+    </p:extLst>
+  </p:cSld>
+  <p:clrMapOvr>
+    <a:masterClrMapping/>
+  </p:clrMapOvr>
+</p:sld>
+</file>
+
+<file path=ppt/slides/slide12.xml><?xml version="1.0" encoding="utf-8"?>
+<p:sld xmlns:a="http://schemas.openxmlformats.org/drawingml/2006/main" xmlns:r="http://schemas.openxmlformats.org/officeDocument/2006/relationships" xmlns:p="http://schemas.openxmlformats.org/presentationml/2006/main">
+  <p:cSld>
+    <p:spTree>
+      <p:nvGrpSpPr>
+        <p:cNvPr id="1" name=""/>
+        <p:cNvGrpSpPr/>
+        <p:nvPr/>
+      </p:nvGrpSpPr>
+      <p:grpSpPr>
+        <a:xfrm>
+          <a:off x="0" y="0"/>
+          <a:ext cx="0" cy="0"/>
+          <a:chOff x="0" y="0"/>
+          <a:chExt cx="0" cy="0"/>
+        </a:xfrm>
+      </p:grpSpPr>
+      <p:sp>
+        <p:nvSpPr>
+          <p:cNvPr id="9" name="TextBox 8">
+            <a:extLst>
+              <a:ext uri="{FF2B5EF4-FFF2-40B4-BE49-F238E27FC236}">
+                <a16:creationId xmlns:a16="http://schemas.microsoft.com/office/drawing/2014/main" id="{7C3AEEB5-635B-CC9E-A34E-9221454EB919}"/>
+              </a:ext>
+            </a:extLst>
+          </p:cNvPr>
+          <p:cNvSpPr txBox="1"/>
+          <p:nvPr/>
+        </p:nvSpPr>
+        <p:spPr>
+          <a:xfrm>
+            <a:off x="574431" y="439615"/>
+            <a:ext cx="877163" cy="369332"/>
+          </a:xfrm>
+          <a:prstGeom prst="rect">
+            <a:avLst/>
+          </a:prstGeom>
+          <a:noFill/>
+        </p:spPr>
+        <p:txBody>
+          <a:bodyPr wrap="none" rtlCol="0">
+            <a:spAutoFit/>
+          </a:bodyPr>
+          <a:lstStyle/>
+          <a:p>
+            <a:r>
+              <a:rPr lang="ko-KR" altLang="en-US" dirty="0"/>
+              <a:t>플로우</a:t>
+            </a:r>
+          </a:p>
+        </p:txBody>
+      </p:sp>
+      <p:sp>
+        <p:nvSpPr>
+          <p:cNvPr id="2" name="직사각형 1">
+            <a:extLst>
+              <a:ext uri="{FF2B5EF4-FFF2-40B4-BE49-F238E27FC236}">
+                <a16:creationId xmlns:a16="http://schemas.microsoft.com/office/drawing/2014/main" id="{F6F1AFBF-D240-414F-D2AA-8AC71D5EECB6}"/>
+              </a:ext>
+            </a:extLst>
+          </p:cNvPr>
+          <p:cNvSpPr/>
+          <p:nvPr/>
+        </p:nvSpPr>
+        <p:spPr>
+          <a:xfrm>
+            <a:off x="2350654" y="599806"/>
+            <a:ext cx="1015341" cy="861956"/>
+          </a:xfrm>
+          <a:prstGeom prst="rect">
+            <a:avLst/>
+          </a:prstGeom>
+          <a:solidFill>
+            <a:schemeClr val="bg1"/>
+          </a:solidFill>
+        </p:spPr>
+        <p:style>
+          <a:lnRef idx="2">
+            <a:schemeClr val="accent1">
+              <a:shade val="15000"/>
+            </a:schemeClr>
+          </a:lnRef>
+          <a:fillRef idx="1">
+            <a:schemeClr val="accent1"/>
+          </a:fillRef>
+          <a:effectRef idx="0">
+            <a:schemeClr val="accent1"/>
+          </a:effectRef>
+          <a:fontRef idx="minor">
+            <a:schemeClr val="lt1"/>
+          </a:fontRef>
+        </p:style>
+        <p:txBody>
+          <a:bodyPr rtlCol="0" anchor="ctr"/>
+          <a:lstStyle/>
+          <a:p>
+            <a:pPr algn="ctr"/>
+            <a:r>
+              <a:rPr lang="en-US" altLang="ko-KR" dirty="0" err="1">
+                <a:solidFill>
+                  <a:schemeClr val="tx1"/>
+                </a:solidFill>
+              </a:rPr>
+              <a:t>Item_list</a:t>
+            </a:r>
+            <a:endParaRPr lang="ko-KR" altLang="en-US" dirty="0">
+              <a:solidFill>
+                <a:schemeClr val="tx1"/>
+              </a:solidFill>
+            </a:endParaRPr>
+          </a:p>
+        </p:txBody>
+      </p:sp>
+      <p:cxnSp>
+        <p:nvCxnSpPr>
+          <p:cNvPr id="4" name="직선 화살표 연결선 3">
+            <a:extLst>
+              <a:ext uri="{FF2B5EF4-FFF2-40B4-BE49-F238E27FC236}">
+                <a16:creationId xmlns:a16="http://schemas.microsoft.com/office/drawing/2014/main" id="{9B344048-0526-AE66-8193-D8C3C35E6CCB}"/>
+              </a:ext>
+            </a:extLst>
+          </p:cNvPr>
+          <p:cNvCxnSpPr/>
+          <p:nvPr/>
+        </p:nvCxnSpPr>
+        <p:spPr>
+          <a:xfrm>
+            <a:off x="2350654" y="2280012"/>
+            <a:ext cx="1015340" cy="0"/>
+          </a:xfrm>
+          <a:prstGeom prst="straightConnector1">
+            <a:avLst/>
+          </a:prstGeom>
+          <a:ln>
+            <a:tailEnd type="triangle"/>
+          </a:ln>
+        </p:spPr>
+        <p:style>
+          <a:lnRef idx="2">
+            <a:schemeClr val="dk1"/>
+          </a:lnRef>
+          <a:fillRef idx="0">
+            <a:schemeClr val="dk1"/>
+          </a:fillRef>
+          <a:effectRef idx="1">
+            <a:schemeClr val="dk1"/>
+          </a:effectRef>
+          <a:fontRef idx="minor">
+            <a:schemeClr val="tx1"/>
+          </a:fontRef>
+        </p:style>
+      </p:cxnSp>
+      <p:sp>
+        <p:nvSpPr>
+          <p:cNvPr id="5" name="이등변 삼각형 4">
+            <a:extLst>
+              <a:ext uri="{FF2B5EF4-FFF2-40B4-BE49-F238E27FC236}">
+                <a16:creationId xmlns:a16="http://schemas.microsoft.com/office/drawing/2014/main" id="{60447ED9-BF65-C43B-5C19-7B9E6AE949DE}"/>
+              </a:ext>
+            </a:extLst>
+          </p:cNvPr>
+          <p:cNvSpPr/>
+          <p:nvPr/>
+        </p:nvSpPr>
+        <p:spPr>
+          <a:xfrm>
+            <a:off x="4193309" y="599806"/>
+            <a:ext cx="1902691" cy="779463"/>
+          </a:xfrm>
+          <a:prstGeom prst="triangle">
+            <a:avLst>
+              <a:gd name="adj" fmla="val 50000"/>
+            </a:avLst>
+          </a:prstGeom>
+          <a:solidFill>
+            <a:schemeClr val="bg1"/>
+          </a:solidFill>
+        </p:spPr>
+        <p:style>
+          <a:lnRef idx="2">
+            <a:schemeClr val="accent1">
+              <a:shade val="15000"/>
+            </a:schemeClr>
+          </a:lnRef>
+          <a:fillRef idx="1">
+            <a:schemeClr val="accent1"/>
+          </a:fillRef>
+          <a:effectRef idx="0">
+            <a:schemeClr val="accent1"/>
+          </a:effectRef>
+          <a:fontRef idx="minor">
+            <a:schemeClr val="lt1"/>
+          </a:fontRef>
+        </p:style>
+        <p:txBody>
+          <a:bodyPr rtlCol="0" anchor="ctr"/>
+          <a:lstStyle/>
+          <a:p>
+            <a:pPr algn="ctr"/>
+            <a:r>
+              <a:rPr lang="ko-KR" altLang="en-US" dirty="0">
+                <a:solidFill>
+                  <a:schemeClr val="tx1"/>
+                </a:solidFill>
+              </a:rPr>
+              <a:t>이벤트</a:t>
+            </a:r>
+          </a:p>
+        </p:txBody>
+      </p:sp>
+      <p:cxnSp>
+        <p:nvCxnSpPr>
+          <p:cNvPr id="6" name="직선 화살표 연결선 5">
+            <a:extLst>
+              <a:ext uri="{FF2B5EF4-FFF2-40B4-BE49-F238E27FC236}">
+                <a16:creationId xmlns:a16="http://schemas.microsoft.com/office/drawing/2014/main" id="{2F6CD141-F154-85A2-DC68-1682C33AFFEF}"/>
+              </a:ext>
+            </a:extLst>
+          </p:cNvPr>
+          <p:cNvCxnSpPr>
+            <a:cxnSpLocks/>
+          </p:cNvCxnSpPr>
+          <p:nvPr/>
+        </p:nvCxnSpPr>
+        <p:spPr>
+          <a:xfrm>
+            <a:off x="2854364" y="1683925"/>
+            <a:ext cx="0" cy="293938"/>
+          </a:xfrm>
+          <a:prstGeom prst="straightConnector1">
+            <a:avLst/>
+          </a:prstGeom>
+          <a:ln>
+            <a:tailEnd type="triangle"/>
+          </a:ln>
+        </p:spPr>
+        <p:style>
+          <a:lnRef idx="2">
+            <a:schemeClr val="dk1"/>
+          </a:lnRef>
+          <a:fillRef idx="0">
+            <a:schemeClr val="dk1"/>
+          </a:fillRef>
+          <a:effectRef idx="1">
+            <a:schemeClr val="dk1"/>
+          </a:effectRef>
+          <a:fontRef idx="minor">
+            <a:schemeClr val="tx1"/>
+          </a:fontRef>
+        </p:style>
+      </p:cxnSp>
+      <p:sp>
+        <p:nvSpPr>
+          <p:cNvPr id="7" name="타원 6">
+            <a:extLst>
+              <a:ext uri="{FF2B5EF4-FFF2-40B4-BE49-F238E27FC236}">
+                <a16:creationId xmlns:a16="http://schemas.microsoft.com/office/drawing/2014/main" id="{151C5669-DF75-D287-8F56-3FAE9206D0EE}"/>
+              </a:ext>
+            </a:extLst>
+          </p:cNvPr>
+          <p:cNvSpPr/>
+          <p:nvPr/>
+        </p:nvSpPr>
+        <p:spPr>
+          <a:xfrm>
+            <a:off x="479428" y="2042518"/>
+            <a:ext cx="1442852" cy="474989"/>
+          </a:xfrm>
+          <a:prstGeom prst="ellipse">
+            <a:avLst/>
+          </a:prstGeom>
+          <a:solidFill>
+            <a:schemeClr val="bg1"/>
+          </a:solidFill>
+        </p:spPr>
+        <p:style>
+          <a:lnRef idx="2">
+            <a:schemeClr val="accent1">
+              <a:shade val="15000"/>
+            </a:schemeClr>
+          </a:lnRef>
+          <a:fillRef idx="1">
+            <a:schemeClr val="accent1"/>
+          </a:fillRef>
+          <a:effectRef idx="0">
+            <a:schemeClr val="accent1"/>
+          </a:effectRef>
+          <a:fontRef idx="minor">
+            <a:schemeClr val="lt1"/>
+          </a:fontRef>
+        </p:style>
+        <p:txBody>
+          <a:bodyPr rtlCol="0" anchor="ctr"/>
+          <a:lstStyle/>
+          <a:p>
+            <a:pPr algn="ctr"/>
+            <a:r>
+              <a:rPr lang="en-US" altLang="ko-KR" dirty="0">
+                <a:solidFill>
+                  <a:schemeClr val="tx1"/>
+                </a:solidFill>
+              </a:rPr>
+              <a:t>User</a:t>
+            </a:r>
+            <a:endParaRPr lang="ko-KR" altLang="en-US" dirty="0">
+              <a:solidFill>
+                <a:schemeClr val="tx1"/>
+              </a:solidFill>
+            </a:endParaRPr>
+          </a:p>
+        </p:txBody>
+      </p:sp>
+      <p:cxnSp>
+        <p:nvCxnSpPr>
+          <p:cNvPr id="11" name="직선 화살표 연결선 10">
+            <a:extLst>
+              <a:ext uri="{FF2B5EF4-FFF2-40B4-BE49-F238E27FC236}">
+                <a16:creationId xmlns:a16="http://schemas.microsoft.com/office/drawing/2014/main" id="{374A6A34-C41E-4037-B077-A4A6804A71CE}"/>
+              </a:ext>
+            </a:extLst>
+          </p:cNvPr>
+          <p:cNvCxnSpPr>
+            <a:cxnSpLocks/>
+          </p:cNvCxnSpPr>
+          <p:nvPr/>
+        </p:nvCxnSpPr>
+        <p:spPr>
+          <a:xfrm>
+            <a:off x="5232727" y="1536956"/>
+            <a:ext cx="0" cy="293938"/>
+          </a:xfrm>
+          <a:prstGeom prst="straightConnector1">
+            <a:avLst/>
+          </a:prstGeom>
+          <a:ln>
+            <a:tailEnd type="triangle"/>
+          </a:ln>
+        </p:spPr>
+        <p:style>
+          <a:lnRef idx="2">
+            <a:schemeClr val="dk1"/>
+          </a:lnRef>
+          <a:fillRef idx="0">
+            <a:schemeClr val="dk1"/>
+          </a:fillRef>
+          <a:effectRef idx="1">
+            <a:schemeClr val="dk1"/>
+          </a:effectRef>
+          <a:fontRef idx="minor">
+            <a:schemeClr val="tx1"/>
+          </a:fontRef>
+        </p:style>
+      </p:cxnSp>
+    </p:spTree>
+    <p:extLst>
+      <p:ext uri="{BB962C8B-B14F-4D97-AF65-F5344CB8AC3E}">
+        <p14:creationId xmlns:p14="http://schemas.microsoft.com/office/powerpoint/2010/main" val="1066510855"/>
       </p:ext>
     </p:extLst>
   </p:cSld>

--- a/기획.pptx
+++ b/기획.pptx
@@ -5,7 +5,7 @@
     <p:sldMasterId id="2147483648" r:id="rId1"/>
   </p:sldMasterIdLst>
   <p:notesMasterIdLst>
-    <p:notesMasterId r:id="rId14"/>
+    <p:notesMasterId r:id="rId15"/>
   </p:notesMasterIdLst>
   <p:sldIdLst>
     <p:sldId id="256" r:id="rId2"/>
@@ -19,7 +19,8 @@
     <p:sldId id="264" r:id="rId10"/>
     <p:sldId id="263" r:id="rId11"/>
     <p:sldId id="265" r:id="rId12"/>
-    <p:sldId id="269" r:id="rId13"/>
+    <p:sldId id="270" r:id="rId13"/>
+    <p:sldId id="269" r:id="rId14"/>
   </p:sldIdLst>
   <p:sldSz cx="12192000" cy="6858000"/>
   <p:notesSz cx="6858000" cy="9144000"/>
@@ -208,7 +209,7 @@
           <a:p>
             <a:fld id="{A86A007C-C903-4EF0-BE94-3182177B8484}" type="datetimeFigureOut">
               <a:rPr lang="ko-KR" altLang="en-US" smtClean="0"/>
-              <a:t>2024-04-11</a:t>
+              <a:t>2024-09-23</a:t>
             </a:fld>
             <a:endParaRPr lang="ko-KR" altLang="en-US"/>
           </a:p>
@@ -622,7 +623,7 @@
           <a:p>
             <a:fld id="{47B96A34-AEF8-40E7-AE80-A7B27F113FFA}" type="datetimeFigureOut">
               <a:rPr lang="ko-KR" altLang="en-US" smtClean="0"/>
-              <a:t>2024-04-11</a:t>
+              <a:t>2024-09-23</a:t>
             </a:fld>
             <a:endParaRPr lang="ko-KR" altLang="en-US"/>
           </a:p>
@@ -820,7 +821,7 @@
           <a:p>
             <a:fld id="{47B96A34-AEF8-40E7-AE80-A7B27F113FFA}" type="datetimeFigureOut">
               <a:rPr lang="ko-KR" altLang="en-US" smtClean="0"/>
-              <a:t>2024-04-11</a:t>
+              <a:t>2024-09-23</a:t>
             </a:fld>
             <a:endParaRPr lang="ko-KR" altLang="en-US"/>
           </a:p>
@@ -1028,7 +1029,7 @@
           <a:p>
             <a:fld id="{47B96A34-AEF8-40E7-AE80-A7B27F113FFA}" type="datetimeFigureOut">
               <a:rPr lang="ko-KR" altLang="en-US" smtClean="0"/>
-              <a:t>2024-04-11</a:t>
+              <a:t>2024-09-23</a:t>
             </a:fld>
             <a:endParaRPr lang="ko-KR" altLang="en-US"/>
           </a:p>
@@ -1226,7 +1227,7 @@
           <a:p>
             <a:fld id="{47B96A34-AEF8-40E7-AE80-A7B27F113FFA}" type="datetimeFigureOut">
               <a:rPr lang="ko-KR" altLang="en-US" smtClean="0"/>
-              <a:t>2024-04-11</a:t>
+              <a:t>2024-09-23</a:t>
             </a:fld>
             <a:endParaRPr lang="ko-KR" altLang="en-US"/>
           </a:p>
@@ -1501,7 +1502,7 @@
           <a:p>
             <a:fld id="{47B96A34-AEF8-40E7-AE80-A7B27F113FFA}" type="datetimeFigureOut">
               <a:rPr lang="ko-KR" altLang="en-US" smtClean="0"/>
-              <a:t>2024-04-11</a:t>
+              <a:t>2024-09-23</a:t>
             </a:fld>
             <a:endParaRPr lang="ko-KR" altLang="en-US"/>
           </a:p>
@@ -1766,7 +1767,7 @@
           <a:p>
             <a:fld id="{47B96A34-AEF8-40E7-AE80-A7B27F113FFA}" type="datetimeFigureOut">
               <a:rPr lang="ko-KR" altLang="en-US" smtClean="0"/>
-              <a:t>2024-04-11</a:t>
+              <a:t>2024-09-23</a:t>
             </a:fld>
             <a:endParaRPr lang="ko-KR" altLang="en-US"/>
           </a:p>
@@ -2178,7 +2179,7 @@
           <a:p>
             <a:fld id="{47B96A34-AEF8-40E7-AE80-A7B27F113FFA}" type="datetimeFigureOut">
               <a:rPr lang="ko-KR" altLang="en-US" smtClean="0"/>
-              <a:t>2024-04-11</a:t>
+              <a:t>2024-09-23</a:t>
             </a:fld>
             <a:endParaRPr lang="ko-KR" altLang="en-US"/>
           </a:p>
@@ -2319,7 +2320,7 @@
           <a:p>
             <a:fld id="{47B96A34-AEF8-40E7-AE80-A7B27F113FFA}" type="datetimeFigureOut">
               <a:rPr lang="ko-KR" altLang="en-US" smtClean="0"/>
-              <a:t>2024-04-11</a:t>
+              <a:t>2024-09-23</a:t>
             </a:fld>
             <a:endParaRPr lang="ko-KR" altLang="en-US"/>
           </a:p>
@@ -2432,7 +2433,7 @@
           <a:p>
             <a:fld id="{47B96A34-AEF8-40E7-AE80-A7B27F113FFA}" type="datetimeFigureOut">
               <a:rPr lang="ko-KR" altLang="en-US" smtClean="0"/>
-              <a:t>2024-04-11</a:t>
+              <a:t>2024-09-23</a:t>
             </a:fld>
             <a:endParaRPr lang="ko-KR" altLang="en-US"/>
           </a:p>
@@ -2743,7 +2744,7 @@
           <a:p>
             <a:fld id="{47B96A34-AEF8-40E7-AE80-A7B27F113FFA}" type="datetimeFigureOut">
               <a:rPr lang="ko-KR" altLang="en-US" smtClean="0"/>
-              <a:t>2024-04-11</a:t>
+              <a:t>2024-09-23</a:t>
             </a:fld>
             <a:endParaRPr lang="ko-KR" altLang="en-US"/>
           </a:p>
@@ -3031,7 +3032,7 @@
           <a:p>
             <a:fld id="{47B96A34-AEF8-40E7-AE80-A7B27F113FFA}" type="datetimeFigureOut">
               <a:rPr lang="ko-KR" altLang="en-US" smtClean="0"/>
-              <a:t>2024-04-11</a:t>
+              <a:t>2024-09-23</a:t>
             </a:fld>
             <a:endParaRPr lang="ko-KR" altLang="en-US"/>
           </a:p>
@@ -3272,7 +3273,7 @@
           <a:p>
             <a:fld id="{47B96A34-AEF8-40E7-AE80-A7B27F113FFA}" type="datetimeFigureOut">
               <a:rPr lang="ko-KR" altLang="en-US" smtClean="0"/>
-              <a:t>2024-04-11</a:t>
+              <a:t>2024-09-23</a:t>
             </a:fld>
             <a:endParaRPr lang="ko-KR" altLang="en-US"/>
           </a:p>
@@ -4693,6 +4694,259 @@
 </file>
 
 <file path=ppt/slides/slide12.xml><?xml version="1.0" encoding="utf-8"?>
+<p:sld xmlns:a="http://schemas.openxmlformats.org/drawingml/2006/main" xmlns:r="http://schemas.openxmlformats.org/officeDocument/2006/relationships" xmlns:p="http://schemas.openxmlformats.org/presentationml/2006/main">
+  <p:cSld>
+    <p:spTree>
+      <p:nvGrpSpPr>
+        <p:cNvPr id="1" name="">
+          <a:extLst>
+            <a:ext uri="{FF2B5EF4-FFF2-40B4-BE49-F238E27FC236}">
+              <a16:creationId xmlns:a16="http://schemas.microsoft.com/office/drawing/2014/main" id="{FCF4F172-3591-6E2D-2C13-36C42E9D96E3}"/>
+            </a:ext>
+          </a:extLst>
+        </p:cNvPr>
+        <p:cNvGrpSpPr/>
+        <p:nvPr/>
+      </p:nvGrpSpPr>
+      <p:grpSpPr>
+        <a:xfrm>
+          <a:off x="0" y="0"/>
+          <a:ext cx="0" cy="0"/>
+          <a:chOff x="0" y="0"/>
+          <a:chExt cx="0" cy="0"/>
+        </a:xfrm>
+      </p:grpSpPr>
+      <p:sp>
+        <p:nvSpPr>
+          <p:cNvPr id="9" name="TextBox 8">
+            <a:extLst>
+              <a:ext uri="{FF2B5EF4-FFF2-40B4-BE49-F238E27FC236}">
+                <a16:creationId xmlns:a16="http://schemas.microsoft.com/office/drawing/2014/main" id="{A349FD3B-FC1B-4890-567F-5FE866624E9B}"/>
+              </a:ext>
+            </a:extLst>
+          </p:cNvPr>
+          <p:cNvSpPr txBox="1"/>
+          <p:nvPr/>
+        </p:nvSpPr>
+        <p:spPr>
+          <a:xfrm>
+            <a:off x="574431" y="439615"/>
+            <a:ext cx="2276585" cy="369332"/>
+          </a:xfrm>
+          <a:prstGeom prst="rect">
+            <a:avLst/>
+          </a:prstGeom>
+          <a:noFill/>
+        </p:spPr>
+        <p:txBody>
+          <a:bodyPr wrap="none" rtlCol="0">
+            <a:spAutoFit/>
+          </a:bodyPr>
+          <a:lstStyle/>
+          <a:p>
+            <a:r>
+              <a:rPr lang="ko-KR" altLang="en-US" dirty="0"/>
+              <a:t>스토리 및 컨셉 설정</a:t>
+            </a:r>
+          </a:p>
+        </p:txBody>
+      </p:sp>
+      <p:sp>
+        <p:nvSpPr>
+          <p:cNvPr id="6" name="TextBox 5">
+            <a:extLst>
+              <a:ext uri="{FF2B5EF4-FFF2-40B4-BE49-F238E27FC236}">
+                <a16:creationId xmlns:a16="http://schemas.microsoft.com/office/drawing/2014/main" id="{0DEAA47A-C569-F0C3-4719-DD7FC22959A2}"/>
+              </a:ext>
+            </a:extLst>
+          </p:cNvPr>
+          <p:cNvSpPr txBox="1"/>
+          <p:nvPr/>
+        </p:nvSpPr>
+        <p:spPr>
+          <a:xfrm>
+            <a:off x="368594" y="1058329"/>
+            <a:ext cx="11454812" cy="3693319"/>
+          </a:xfrm>
+          <a:prstGeom prst="rect">
+            <a:avLst/>
+          </a:prstGeom>
+          <a:noFill/>
+        </p:spPr>
+        <p:txBody>
+          <a:bodyPr wrap="square" rtlCol="0">
+            <a:spAutoFit/>
+          </a:bodyPr>
+          <a:lstStyle/>
+          <a:p>
+            <a:pPr marL="285750" indent="-285750">
+              <a:buFontTx/>
+              <a:buChar char="-"/>
+            </a:pPr>
+            <a:r>
+              <a:rPr lang="ko-KR" altLang="en-US" dirty="0"/>
+              <a:t>그리스 로마 신화를 기반으로 다양한 이벤트와 인물</a:t>
+            </a:r>
+            <a:r>
+              <a:rPr lang="en-US" altLang="ko-KR" dirty="0"/>
+              <a:t>, </a:t>
+            </a:r>
+            <a:r>
+              <a:rPr lang="ko-KR" altLang="en-US" dirty="0"/>
+              <a:t>아이템들을 설계할 예정</a:t>
+            </a:r>
+            <a:endParaRPr lang="en-US" altLang="ko-KR" dirty="0"/>
+          </a:p>
+          <a:p>
+            <a:pPr marL="285750" indent="-285750">
+              <a:buFontTx/>
+              <a:buChar char="-"/>
+            </a:pPr>
+            <a:r>
+              <a:rPr lang="ko-KR" altLang="en-US" dirty="0"/>
+              <a:t>올림포스를 향해 가는 인간의 이야기</a:t>
+            </a:r>
+            <a:r>
+              <a:rPr lang="en-US" altLang="ko-KR" dirty="0"/>
+              <a:t>?</a:t>
+            </a:r>
+          </a:p>
+          <a:p>
+            <a:pPr marL="285750" indent="-285750">
+              <a:buFontTx/>
+              <a:buChar char="-"/>
+            </a:pPr>
+            <a:endParaRPr lang="en-US" altLang="ko-KR" dirty="0"/>
+          </a:p>
+          <a:p>
+            <a:pPr marL="285750" indent="-285750">
+              <a:buFontTx/>
+              <a:buChar char="-"/>
+            </a:pPr>
+            <a:r>
+              <a:rPr lang="ko-KR" altLang="en-US" dirty="0"/>
+              <a:t>일어나지 않았다는 </a:t>
+            </a:r>
+            <a:r>
+              <a:rPr lang="ko-KR" altLang="en-US" dirty="0" err="1"/>
+              <a:t>제우스에서의</a:t>
+            </a:r>
+            <a:r>
+              <a:rPr lang="ko-KR" altLang="en-US" dirty="0"/>
+              <a:t> 세대교체의 이야기</a:t>
+            </a:r>
+            <a:r>
+              <a:rPr lang="en-US" altLang="ko-KR" dirty="0"/>
+              <a:t>?</a:t>
+            </a:r>
+          </a:p>
+          <a:p>
+            <a:pPr marL="285750" indent="-285750">
+              <a:buFontTx/>
+              <a:buChar char="-"/>
+            </a:pPr>
+            <a:endParaRPr lang="en-US" altLang="ko-KR" dirty="0"/>
+          </a:p>
+          <a:p>
+            <a:pPr marL="285750" indent="-285750">
+              <a:buFontTx/>
+              <a:buChar char="-"/>
+            </a:pPr>
+            <a:r>
+              <a:rPr lang="ko-KR" altLang="en-US" dirty="0"/>
+              <a:t>근본적인 신들은 인간적인 가치에 매달리지 않는</a:t>
+            </a:r>
+            <a:r>
+              <a:rPr lang="en-US" altLang="ko-KR" dirty="0"/>
+              <a:t>, </a:t>
+            </a:r>
+            <a:r>
+              <a:rPr lang="ko-KR" altLang="en-US" dirty="0"/>
+              <a:t>거대한 힘의 묘사</a:t>
+            </a:r>
+            <a:endParaRPr lang="en-US" altLang="ko-KR" dirty="0"/>
+          </a:p>
+          <a:p>
+            <a:pPr marL="285750" indent="-285750">
+              <a:buFontTx/>
+              <a:buChar char="-"/>
+            </a:pPr>
+            <a:endParaRPr lang="en-US" altLang="ko-KR" dirty="0"/>
+          </a:p>
+          <a:p>
+            <a:pPr marL="285750" indent="-285750">
+              <a:buFontTx/>
+              <a:buChar char="-"/>
+            </a:pPr>
+            <a:r>
+              <a:rPr lang="ko-KR" altLang="en-US" dirty="0"/>
+              <a:t>카오스 지수를 만들어 놓자</a:t>
+            </a:r>
+            <a:r>
+              <a:rPr lang="en-US" altLang="ko-KR" dirty="0"/>
+              <a:t>. </a:t>
+            </a:r>
+            <a:r>
+              <a:rPr lang="ko-KR" altLang="en-US" dirty="0"/>
+              <a:t>신들의 뜻대로 행동한다면 코스모스수가 올라가고</a:t>
+            </a:r>
+            <a:r>
+              <a:rPr lang="en-US" altLang="ko-KR" dirty="0"/>
+              <a:t>, </a:t>
+            </a:r>
+            <a:r>
+              <a:rPr lang="ko-KR" altLang="en-US" dirty="0"/>
+              <a:t>반대로 행한다면 카오스 수가 올라감</a:t>
+            </a:r>
+            <a:r>
+              <a:rPr lang="en-US" altLang="ko-KR" dirty="0"/>
+              <a:t>.</a:t>
+            </a:r>
+          </a:p>
+          <a:p>
+            <a:pPr marL="285750" indent="-285750">
+              <a:buFontTx/>
+              <a:buChar char="-"/>
+            </a:pPr>
+            <a:endParaRPr lang="en-US" altLang="ko-KR" dirty="0"/>
+          </a:p>
+          <a:p>
+            <a:pPr marL="285750" indent="-285750">
+              <a:buFontTx/>
+              <a:buChar char="-"/>
+            </a:pPr>
+            <a:endParaRPr lang="en-US" altLang="ko-KR" dirty="0"/>
+          </a:p>
+          <a:p>
+            <a:pPr marL="285750" indent="-285750">
+              <a:buFontTx/>
+              <a:buChar char="-"/>
+            </a:pPr>
+            <a:endParaRPr lang="en-US" altLang="ko-KR" dirty="0"/>
+          </a:p>
+          <a:p>
+            <a:pPr marL="285750" indent="-285750">
+              <a:buFontTx/>
+              <a:buChar char="-"/>
+            </a:pPr>
+            <a:endParaRPr lang="ko-KR" altLang="en-US" dirty="0"/>
+          </a:p>
+        </p:txBody>
+      </p:sp>
+    </p:spTree>
+    <p:extLst>
+      <p:ext uri="{BB962C8B-B14F-4D97-AF65-F5344CB8AC3E}">
+        <p14:creationId xmlns:p14="http://schemas.microsoft.com/office/powerpoint/2010/main" val="306464913"/>
+      </p:ext>
+    </p:extLst>
+  </p:cSld>
+  <p:clrMapOvr>
+    <a:masterClrMapping/>
+  </p:clrMapOvr>
+</p:sld>
+</file>
+
+<file path=ppt/slides/slide13.xml><?xml version="1.0" encoding="utf-8"?>
 <p:sld xmlns:a="http://schemas.openxmlformats.org/drawingml/2006/main" xmlns:r="http://schemas.openxmlformats.org/officeDocument/2006/relationships" xmlns:p="http://schemas.openxmlformats.org/presentationml/2006/main">
   <p:cSld>
     <p:spTree>

--- a/기획.pptx
+++ b/기획.pptx
@@ -209,7 +209,7 @@
           <a:p>
             <a:fld id="{A86A007C-C903-4EF0-BE94-3182177B8484}" type="datetimeFigureOut">
               <a:rPr lang="ko-KR" altLang="en-US" smtClean="0"/>
-              <a:t>2024-09-23</a:t>
+              <a:t>2024-10-09</a:t>
             </a:fld>
             <a:endParaRPr lang="ko-KR" altLang="en-US"/>
           </a:p>
@@ -623,7 +623,7 @@
           <a:p>
             <a:fld id="{47B96A34-AEF8-40E7-AE80-A7B27F113FFA}" type="datetimeFigureOut">
               <a:rPr lang="ko-KR" altLang="en-US" smtClean="0"/>
-              <a:t>2024-09-23</a:t>
+              <a:t>2024-10-09</a:t>
             </a:fld>
             <a:endParaRPr lang="ko-KR" altLang="en-US"/>
           </a:p>
@@ -821,7 +821,7 @@
           <a:p>
             <a:fld id="{47B96A34-AEF8-40E7-AE80-A7B27F113FFA}" type="datetimeFigureOut">
               <a:rPr lang="ko-KR" altLang="en-US" smtClean="0"/>
-              <a:t>2024-09-23</a:t>
+              <a:t>2024-10-09</a:t>
             </a:fld>
             <a:endParaRPr lang="ko-KR" altLang="en-US"/>
           </a:p>
@@ -1029,7 +1029,7 @@
           <a:p>
             <a:fld id="{47B96A34-AEF8-40E7-AE80-A7B27F113FFA}" type="datetimeFigureOut">
               <a:rPr lang="ko-KR" altLang="en-US" smtClean="0"/>
-              <a:t>2024-09-23</a:t>
+              <a:t>2024-10-09</a:t>
             </a:fld>
             <a:endParaRPr lang="ko-KR" altLang="en-US"/>
           </a:p>
@@ -1227,7 +1227,7 @@
           <a:p>
             <a:fld id="{47B96A34-AEF8-40E7-AE80-A7B27F113FFA}" type="datetimeFigureOut">
               <a:rPr lang="ko-KR" altLang="en-US" smtClean="0"/>
-              <a:t>2024-09-23</a:t>
+              <a:t>2024-10-09</a:t>
             </a:fld>
             <a:endParaRPr lang="ko-KR" altLang="en-US"/>
           </a:p>
@@ -1502,7 +1502,7 @@
           <a:p>
             <a:fld id="{47B96A34-AEF8-40E7-AE80-A7B27F113FFA}" type="datetimeFigureOut">
               <a:rPr lang="ko-KR" altLang="en-US" smtClean="0"/>
-              <a:t>2024-09-23</a:t>
+              <a:t>2024-10-09</a:t>
             </a:fld>
             <a:endParaRPr lang="ko-KR" altLang="en-US"/>
           </a:p>
@@ -1767,7 +1767,7 @@
           <a:p>
             <a:fld id="{47B96A34-AEF8-40E7-AE80-A7B27F113FFA}" type="datetimeFigureOut">
               <a:rPr lang="ko-KR" altLang="en-US" smtClean="0"/>
-              <a:t>2024-09-23</a:t>
+              <a:t>2024-10-09</a:t>
             </a:fld>
             <a:endParaRPr lang="ko-KR" altLang="en-US"/>
           </a:p>
@@ -2179,7 +2179,7 @@
           <a:p>
             <a:fld id="{47B96A34-AEF8-40E7-AE80-A7B27F113FFA}" type="datetimeFigureOut">
               <a:rPr lang="ko-KR" altLang="en-US" smtClean="0"/>
-              <a:t>2024-09-23</a:t>
+              <a:t>2024-10-09</a:t>
             </a:fld>
             <a:endParaRPr lang="ko-KR" altLang="en-US"/>
           </a:p>
@@ -2320,7 +2320,7 @@
           <a:p>
             <a:fld id="{47B96A34-AEF8-40E7-AE80-A7B27F113FFA}" type="datetimeFigureOut">
               <a:rPr lang="ko-KR" altLang="en-US" smtClean="0"/>
-              <a:t>2024-09-23</a:t>
+              <a:t>2024-10-09</a:t>
             </a:fld>
             <a:endParaRPr lang="ko-KR" altLang="en-US"/>
           </a:p>
@@ -2433,7 +2433,7 @@
           <a:p>
             <a:fld id="{47B96A34-AEF8-40E7-AE80-A7B27F113FFA}" type="datetimeFigureOut">
               <a:rPr lang="ko-KR" altLang="en-US" smtClean="0"/>
-              <a:t>2024-09-23</a:t>
+              <a:t>2024-10-09</a:t>
             </a:fld>
             <a:endParaRPr lang="ko-KR" altLang="en-US"/>
           </a:p>
@@ -2744,7 +2744,7 @@
           <a:p>
             <a:fld id="{47B96A34-AEF8-40E7-AE80-A7B27F113FFA}" type="datetimeFigureOut">
               <a:rPr lang="ko-KR" altLang="en-US" smtClean="0"/>
-              <a:t>2024-09-23</a:t>
+              <a:t>2024-10-09</a:t>
             </a:fld>
             <a:endParaRPr lang="ko-KR" altLang="en-US"/>
           </a:p>
@@ -3032,7 +3032,7 @@
           <a:p>
             <a:fld id="{47B96A34-AEF8-40E7-AE80-A7B27F113FFA}" type="datetimeFigureOut">
               <a:rPr lang="ko-KR" altLang="en-US" smtClean="0"/>
-              <a:t>2024-09-23</a:t>
+              <a:t>2024-10-09</a:t>
             </a:fld>
             <a:endParaRPr lang="ko-KR" altLang="en-US"/>
           </a:p>
@@ -3273,7 +3273,7 @@
           <a:p>
             <a:fld id="{47B96A34-AEF8-40E7-AE80-A7B27F113FFA}" type="datetimeFigureOut">
               <a:rPr lang="ko-KR" altLang="en-US" smtClean="0"/>
-              <a:t>2024-09-23</a:t>
+              <a:t>2024-10-09</a:t>
             </a:fld>
             <a:endParaRPr lang="ko-KR" altLang="en-US"/>
           </a:p>
@@ -4766,7 +4766,7 @@
         <p:spPr>
           <a:xfrm>
             <a:off x="368594" y="1058329"/>
-            <a:ext cx="11454812" cy="3693319"/>
+            <a:ext cx="11454812" cy="5355312"/>
           </a:xfrm>
           <a:prstGeom prst="rect">
             <a:avLst/>
@@ -4908,6 +4908,102 @@
               <a:buFontTx/>
               <a:buChar char="-"/>
             </a:pPr>
+            <a:endParaRPr lang="en-US" altLang="ko-KR" dirty="0"/>
+          </a:p>
+          <a:p>
+            <a:pPr marL="285750" indent="-285750">
+              <a:buFontTx/>
+              <a:buChar char="-"/>
+            </a:pPr>
+            <a:r>
+              <a:rPr lang="en-US" altLang="ko-KR" dirty="0"/>
+              <a:t>3</a:t>
+            </a:r>
+            <a:r>
+              <a:rPr lang="ko-KR" altLang="en-US" dirty="0"/>
+              <a:t>개의 레벨을 황금시대</a:t>
+            </a:r>
+            <a:r>
+              <a:rPr lang="en-US" altLang="ko-KR" dirty="0"/>
+              <a:t>, </a:t>
+            </a:r>
+            <a:r>
+              <a:rPr lang="ko-KR" altLang="en-US" dirty="0"/>
+              <a:t>은의시대</a:t>
+            </a:r>
+            <a:r>
+              <a:rPr lang="en-US" altLang="ko-KR" dirty="0"/>
+              <a:t>, </a:t>
+            </a:r>
+            <a:r>
+              <a:rPr lang="ko-KR" altLang="en-US" dirty="0"/>
+              <a:t>철의시대 이렇게 나누기</a:t>
+            </a:r>
+            <a:r>
+              <a:rPr lang="en-US" altLang="ko-KR" dirty="0"/>
+              <a:t>? </a:t>
+            </a:r>
+            <a:r>
+              <a:rPr lang="ko-KR" altLang="en-US" dirty="0"/>
+              <a:t>컨셉은 멋지긴 한데</a:t>
+            </a:r>
+            <a:r>
+              <a:rPr lang="en-US" altLang="ko-KR" dirty="0"/>
+              <a:t>, </a:t>
+            </a:r>
+            <a:r>
+              <a:rPr lang="ko-KR" altLang="en-US" dirty="0"/>
+              <a:t>그럼 그 당시에 나오는 이벤트들 계산까지 해야함</a:t>
+            </a:r>
+            <a:r>
+              <a:rPr lang="en-US" altLang="ko-KR" dirty="0"/>
+              <a:t>;</a:t>
+            </a:r>
+          </a:p>
+          <a:p>
+            <a:pPr marL="285750" indent="-285750">
+              <a:buFontTx/>
+              <a:buChar char="-"/>
+            </a:pPr>
+            <a:endParaRPr lang="en-US" altLang="ko-KR" dirty="0"/>
+          </a:p>
+          <a:p>
+            <a:pPr marL="285750" indent="-285750">
+              <a:buFontTx/>
+              <a:buChar char="-"/>
+            </a:pPr>
+            <a:r>
+              <a:rPr lang="ko-KR" altLang="en-US" dirty="0"/>
+              <a:t>이게 워낙 일어난 일들이 다양하고 시간선이 애매한데다</a:t>
+            </a:r>
+            <a:r>
+              <a:rPr lang="en-US" altLang="ko-KR" dirty="0"/>
+              <a:t>, </a:t>
+            </a:r>
+            <a:r>
+              <a:rPr lang="ko-KR" altLang="en-US" dirty="0"/>
+              <a:t>내가 넣고 싶은 것들이 다양해서 시간이 뒤죽박죽임</a:t>
+            </a:r>
+            <a:r>
+              <a:rPr lang="en-US" altLang="ko-KR" dirty="0"/>
+              <a:t>. </a:t>
+            </a:r>
+            <a:r>
+              <a:rPr lang="ko-KR" altLang="en-US" dirty="0"/>
+              <a:t>그래서 이걸 뭐 크로노스의 왕위 탈환의 이야기로 써서</a:t>
+            </a:r>
+            <a:r>
+              <a:rPr lang="en-US" altLang="ko-KR" dirty="0"/>
+              <a:t>, </a:t>
+            </a:r>
+            <a:r>
+              <a:rPr lang="ko-KR" altLang="en-US" dirty="0"/>
+              <a:t>이 때문에 다양한 일들이 일어나는 걸로 메인 스토리를 짜면 어떨까</a:t>
+            </a:r>
+            <a:r>
+              <a:rPr lang="en-US" altLang="ko-KR"/>
+              <a:t>??</a:t>
+            </a:r>
             <a:endParaRPr lang="en-US" altLang="ko-KR" dirty="0"/>
           </a:p>
           <a:p>

--- a/기획.pptx
+++ b/기획.pptx
@@ -209,7 +209,7 @@
           <a:p>
             <a:fld id="{A86A007C-C903-4EF0-BE94-3182177B8484}" type="datetimeFigureOut">
               <a:rPr lang="ko-KR" altLang="en-US" smtClean="0"/>
-              <a:t>2024-10-09</a:t>
+              <a:t>2024-10-15</a:t>
             </a:fld>
             <a:endParaRPr lang="ko-KR" altLang="en-US"/>
           </a:p>
@@ -623,7 +623,7 @@
           <a:p>
             <a:fld id="{47B96A34-AEF8-40E7-AE80-A7B27F113FFA}" type="datetimeFigureOut">
               <a:rPr lang="ko-KR" altLang="en-US" smtClean="0"/>
-              <a:t>2024-10-09</a:t>
+              <a:t>2024-10-15</a:t>
             </a:fld>
             <a:endParaRPr lang="ko-KR" altLang="en-US"/>
           </a:p>
@@ -821,7 +821,7 @@
           <a:p>
             <a:fld id="{47B96A34-AEF8-40E7-AE80-A7B27F113FFA}" type="datetimeFigureOut">
               <a:rPr lang="ko-KR" altLang="en-US" smtClean="0"/>
-              <a:t>2024-10-09</a:t>
+              <a:t>2024-10-15</a:t>
             </a:fld>
             <a:endParaRPr lang="ko-KR" altLang="en-US"/>
           </a:p>
@@ -1029,7 +1029,7 @@
           <a:p>
             <a:fld id="{47B96A34-AEF8-40E7-AE80-A7B27F113FFA}" type="datetimeFigureOut">
               <a:rPr lang="ko-KR" altLang="en-US" smtClean="0"/>
-              <a:t>2024-10-09</a:t>
+              <a:t>2024-10-15</a:t>
             </a:fld>
             <a:endParaRPr lang="ko-KR" altLang="en-US"/>
           </a:p>
@@ -1227,7 +1227,7 @@
           <a:p>
             <a:fld id="{47B96A34-AEF8-40E7-AE80-A7B27F113FFA}" type="datetimeFigureOut">
               <a:rPr lang="ko-KR" altLang="en-US" smtClean="0"/>
-              <a:t>2024-10-09</a:t>
+              <a:t>2024-10-15</a:t>
             </a:fld>
             <a:endParaRPr lang="ko-KR" altLang="en-US"/>
           </a:p>
@@ -1502,7 +1502,7 @@
           <a:p>
             <a:fld id="{47B96A34-AEF8-40E7-AE80-A7B27F113FFA}" type="datetimeFigureOut">
               <a:rPr lang="ko-KR" altLang="en-US" smtClean="0"/>
-              <a:t>2024-10-09</a:t>
+              <a:t>2024-10-15</a:t>
             </a:fld>
             <a:endParaRPr lang="ko-KR" altLang="en-US"/>
           </a:p>
@@ -1767,7 +1767,7 @@
           <a:p>
             <a:fld id="{47B96A34-AEF8-40E7-AE80-A7B27F113FFA}" type="datetimeFigureOut">
               <a:rPr lang="ko-KR" altLang="en-US" smtClean="0"/>
-              <a:t>2024-10-09</a:t>
+              <a:t>2024-10-15</a:t>
             </a:fld>
             <a:endParaRPr lang="ko-KR" altLang="en-US"/>
           </a:p>
@@ -2179,7 +2179,7 @@
           <a:p>
             <a:fld id="{47B96A34-AEF8-40E7-AE80-A7B27F113FFA}" type="datetimeFigureOut">
               <a:rPr lang="ko-KR" altLang="en-US" smtClean="0"/>
-              <a:t>2024-10-09</a:t>
+              <a:t>2024-10-15</a:t>
             </a:fld>
             <a:endParaRPr lang="ko-KR" altLang="en-US"/>
           </a:p>
@@ -2320,7 +2320,7 @@
           <a:p>
             <a:fld id="{47B96A34-AEF8-40E7-AE80-A7B27F113FFA}" type="datetimeFigureOut">
               <a:rPr lang="ko-KR" altLang="en-US" smtClean="0"/>
-              <a:t>2024-10-09</a:t>
+              <a:t>2024-10-15</a:t>
             </a:fld>
             <a:endParaRPr lang="ko-KR" altLang="en-US"/>
           </a:p>
@@ -2433,7 +2433,7 @@
           <a:p>
             <a:fld id="{47B96A34-AEF8-40E7-AE80-A7B27F113FFA}" type="datetimeFigureOut">
               <a:rPr lang="ko-KR" altLang="en-US" smtClean="0"/>
-              <a:t>2024-10-09</a:t>
+              <a:t>2024-10-15</a:t>
             </a:fld>
             <a:endParaRPr lang="ko-KR" altLang="en-US"/>
           </a:p>
@@ -2744,7 +2744,7 @@
           <a:p>
             <a:fld id="{47B96A34-AEF8-40E7-AE80-A7B27F113FFA}" type="datetimeFigureOut">
               <a:rPr lang="ko-KR" altLang="en-US" smtClean="0"/>
-              <a:t>2024-10-09</a:t>
+              <a:t>2024-10-15</a:t>
             </a:fld>
             <a:endParaRPr lang="ko-KR" altLang="en-US"/>
           </a:p>
@@ -3032,7 +3032,7 @@
           <a:p>
             <a:fld id="{47B96A34-AEF8-40E7-AE80-A7B27F113FFA}" type="datetimeFigureOut">
               <a:rPr lang="ko-KR" altLang="en-US" smtClean="0"/>
-              <a:t>2024-10-09</a:t>
+              <a:t>2024-10-15</a:t>
             </a:fld>
             <a:endParaRPr lang="ko-KR" altLang="en-US"/>
           </a:p>
@@ -3273,7 +3273,7 @@
           <a:p>
             <a:fld id="{47B96A34-AEF8-40E7-AE80-A7B27F113FFA}" type="datetimeFigureOut">
               <a:rPr lang="ko-KR" altLang="en-US" smtClean="0"/>
-              <a:t>2024-10-09</a:t>
+              <a:t>2024-10-15</a:t>
             </a:fld>
             <a:endParaRPr lang="ko-KR" altLang="en-US"/>
           </a:p>
@@ -5001,10 +5001,9 @@
               <a:t>이 때문에 다양한 일들이 일어나는 걸로 메인 스토리를 짜면 어떨까</a:t>
             </a:r>
             <a:r>
-              <a:rPr lang="en-US" altLang="ko-KR"/>
+              <a:rPr lang="en-US" altLang="ko-KR" dirty="0"/>
               <a:t>??</a:t>
             </a:r>
-            <a:endParaRPr lang="en-US" altLang="ko-KR" dirty="0"/>
           </a:p>
           <a:p>
             <a:pPr marL="285750" indent="-285750">

--- a/기획.pptx
+++ b/기획.pptx
@@ -209,7 +209,7 @@
           <a:p>
             <a:fld id="{A86A007C-C903-4EF0-BE94-3182177B8484}" type="datetimeFigureOut">
               <a:rPr lang="ko-KR" altLang="en-US" smtClean="0"/>
-              <a:t>2024-10-15</a:t>
+              <a:t>2024-10-17</a:t>
             </a:fld>
             <a:endParaRPr lang="ko-KR" altLang="en-US"/>
           </a:p>
@@ -623,7 +623,7 @@
           <a:p>
             <a:fld id="{47B96A34-AEF8-40E7-AE80-A7B27F113FFA}" type="datetimeFigureOut">
               <a:rPr lang="ko-KR" altLang="en-US" smtClean="0"/>
-              <a:t>2024-10-15</a:t>
+              <a:t>2024-10-17</a:t>
             </a:fld>
             <a:endParaRPr lang="ko-KR" altLang="en-US"/>
           </a:p>
@@ -821,7 +821,7 @@
           <a:p>
             <a:fld id="{47B96A34-AEF8-40E7-AE80-A7B27F113FFA}" type="datetimeFigureOut">
               <a:rPr lang="ko-KR" altLang="en-US" smtClean="0"/>
-              <a:t>2024-10-15</a:t>
+              <a:t>2024-10-17</a:t>
             </a:fld>
             <a:endParaRPr lang="ko-KR" altLang="en-US"/>
           </a:p>
@@ -1029,7 +1029,7 @@
           <a:p>
             <a:fld id="{47B96A34-AEF8-40E7-AE80-A7B27F113FFA}" type="datetimeFigureOut">
               <a:rPr lang="ko-KR" altLang="en-US" smtClean="0"/>
-              <a:t>2024-10-15</a:t>
+              <a:t>2024-10-17</a:t>
             </a:fld>
             <a:endParaRPr lang="ko-KR" altLang="en-US"/>
           </a:p>
@@ -1227,7 +1227,7 @@
           <a:p>
             <a:fld id="{47B96A34-AEF8-40E7-AE80-A7B27F113FFA}" type="datetimeFigureOut">
               <a:rPr lang="ko-KR" altLang="en-US" smtClean="0"/>
-              <a:t>2024-10-15</a:t>
+              <a:t>2024-10-17</a:t>
             </a:fld>
             <a:endParaRPr lang="ko-KR" altLang="en-US"/>
           </a:p>
@@ -1502,7 +1502,7 @@
           <a:p>
             <a:fld id="{47B96A34-AEF8-40E7-AE80-A7B27F113FFA}" type="datetimeFigureOut">
               <a:rPr lang="ko-KR" altLang="en-US" smtClean="0"/>
-              <a:t>2024-10-15</a:t>
+              <a:t>2024-10-17</a:t>
             </a:fld>
             <a:endParaRPr lang="ko-KR" altLang="en-US"/>
           </a:p>
@@ -1767,7 +1767,7 @@
           <a:p>
             <a:fld id="{47B96A34-AEF8-40E7-AE80-A7B27F113FFA}" type="datetimeFigureOut">
               <a:rPr lang="ko-KR" altLang="en-US" smtClean="0"/>
-              <a:t>2024-10-15</a:t>
+              <a:t>2024-10-17</a:t>
             </a:fld>
             <a:endParaRPr lang="ko-KR" altLang="en-US"/>
           </a:p>
@@ -2179,7 +2179,7 @@
           <a:p>
             <a:fld id="{47B96A34-AEF8-40E7-AE80-A7B27F113FFA}" type="datetimeFigureOut">
               <a:rPr lang="ko-KR" altLang="en-US" smtClean="0"/>
-              <a:t>2024-10-15</a:t>
+              <a:t>2024-10-17</a:t>
             </a:fld>
             <a:endParaRPr lang="ko-KR" altLang="en-US"/>
           </a:p>
@@ -2320,7 +2320,7 @@
           <a:p>
             <a:fld id="{47B96A34-AEF8-40E7-AE80-A7B27F113FFA}" type="datetimeFigureOut">
               <a:rPr lang="ko-KR" altLang="en-US" smtClean="0"/>
-              <a:t>2024-10-15</a:t>
+              <a:t>2024-10-17</a:t>
             </a:fld>
             <a:endParaRPr lang="ko-KR" altLang="en-US"/>
           </a:p>
@@ -2433,7 +2433,7 @@
           <a:p>
             <a:fld id="{47B96A34-AEF8-40E7-AE80-A7B27F113FFA}" type="datetimeFigureOut">
               <a:rPr lang="ko-KR" altLang="en-US" smtClean="0"/>
-              <a:t>2024-10-15</a:t>
+              <a:t>2024-10-17</a:t>
             </a:fld>
             <a:endParaRPr lang="ko-KR" altLang="en-US"/>
           </a:p>
@@ -2744,7 +2744,7 @@
           <a:p>
             <a:fld id="{47B96A34-AEF8-40E7-AE80-A7B27F113FFA}" type="datetimeFigureOut">
               <a:rPr lang="ko-KR" altLang="en-US" smtClean="0"/>
-              <a:t>2024-10-15</a:t>
+              <a:t>2024-10-17</a:t>
             </a:fld>
             <a:endParaRPr lang="ko-KR" altLang="en-US"/>
           </a:p>
@@ -3032,7 +3032,7 @@
           <a:p>
             <a:fld id="{47B96A34-AEF8-40E7-AE80-A7B27F113FFA}" type="datetimeFigureOut">
               <a:rPr lang="ko-KR" altLang="en-US" smtClean="0"/>
-              <a:t>2024-10-15</a:t>
+              <a:t>2024-10-17</a:t>
             </a:fld>
             <a:endParaRPr lang="ko-KR" altLang="en-US"/>
           </a:p>
@@ -3273,7 +3273,7 @@
           <a:p>
             <a:fld id="{47B96A34-AEF8-40E7-AE80-A7B27F113FFA}" type="datetimeFigureOut">
               <a:rPr lang="ko-KR" altLang="en-US" smtClean="0"/>
-              <a:t>2024-10-15</a:t>
+              <a:t>2024-10-17</a:t>
             </a:fld>
             <a:endParaRPr lang="ko-KR" altLang="en-US"/>
           </a:p>
